--- a/Documentation/7. Envelope, TM and STFT features.pptx
+++ b/Documentation/7. Envelope, TM and STFT features.pptx
@@ -226,7 +226,7 @@
           <a:p>
             <a:fld id="{1A21894F-B278-4D96-9594-A030EA633187}" type="datetimeFigureOut">
               <a:rPr lang="it-IT" smtClean="0"/>
-              <a:t>02/12/2024</a:t>
+              <a:t>05/12/2024</a:t>
             </a:fld>
             <a:endParaRPr lang="it-IT"/>
           </a:p>
@@ -4062,7 +4062,7 @@
           <a:p>
             <a:fld id="{58E4D78B-0F35-4E3B-A0B9-554BA787D8A4}" type="datetime1">
               <a:rPr lang="en-US" smtClean="0"/>
-              <a:t>12/2/2024</a:t>
+              <a:t>12/5/2024</a:t>
             </a:fld>
             <a:endParaRPr lang="en-US"/>
           </a:p>
@@ -4272,7 +4272,7 @@
           <a:p>
             <a:fld id="{604487E5-BE79-4BAC-AEB7-0CE0533B5E5C}" type="datetime1">
               <a:rPr lang="en-US" smtClean="0"/>
-              <a:t>12/2/2024</a:t>
+              <a:t>12/5/2024</a:t>
             </a:fld>
             <a:endParaRPr lang="en-US"/>
           </a:p>
@@ -4472,7 +4472,7 @@
           <a:p>
             <a:fld id="{DDA7E0CB-9E21-49FD-99A0-0CD75BBC45F4}" type="datetime1">
               <a:rPr lang="en-US" smtClean="0"/>
-              <a:t>12/2/2024</a:t>
+              <a:t>12/5/2024</a:t>
             </a:fld>
             <a:endParaRPr lang="en-US"/>
           </a:p>
@@ -4748,7 +4748,7 @@
           <a:p>
             <a:fld id="{661D7149-FE96-419A-8F67-9BD351842985}" type="datetime1">
               <a:rPr lang="en-US" smtClean="0"/>
-              <a:t>12/2/2024</a:t>
+              <a:t>12/5/2024</a:t>
             </a:fld>
             <a:endParaRPr lang="en-US"/>
           </a:p>
@@ -5016,7 +5016,7 @@
           <a:p>
             <a:fld id="{6CA97CEF-DD94-4A20-85BC-5094F3EA8887}" type="datetime1">
               <a:rPr lang="en-US" smtClean="0"/>
-              <a:t>12/2/2024</a:t>
+              <a:t>12/5/2024</a:t>
             </a:fld>
             <a:endParaRPr lang="en-US"/>
           </a:p>
@@ -5431,7 +5431,7 @@
           <a:p>
             <a:fld id="{9862EB4C-45F8-47BA-B435-B6097D61B684}" type="datetime1">
               <a:rPr lang="en-US" smtClean="0"/>
-              <a:t>12/2/2024</a:t>
+              <a:t>12/5/2024</a:t>
             </a:fld>
             <a:endParaRPr lang="en-US"/>
           </a:p>
@@ -5573,7 +5573,7 @@
           <a:p>
             <a:fld id="{FA7CD0E2-B7EC-4D81-9389-8F889EE865AB}" type="datetime1">
               <a:rPr lang="en-US" smtClean="0"/>
-              <a:t>12/2/2024</a:t>
+              <a:t>12/5/2024</a:t>
             </a:fld>
             <a:endParaRPr lang="en-US"/>
           </a:p>
@@ -5686,7 +5686,7 @@
           <a:p>
             <a:fld id="{18B47F5C-7FA0-44DA-BF82-413AB90208B7}" type="datetime1">
               <a:rPr lang="en-US" smtClean="0"/>
-              <a:t>12/2/2024</a:t>
+              <a:t>12/5/2024</a:t>
             </a:fld>
             <a:endParaRPr lang="en-US"/>
           </a:p>
@@ -5999,7 +5999,7 @@
           <a:p>
             <a:fld id="{403415A8-F8BD-47CC-8D20-53798396961D}" type="datetime1">
               <a:rPr lang="en-US" smtClean="0"/>
-              <a:t>12/2/2024</a:t>
+              <a:t>12/5/2024</a:t>
             </a:fld>
             <a:endParaRPr lang="en-US"/>
           </a:p>
@@ -6288,7 +6288,7 @@
           <a:p>
             <a:fld id="{6A12F5A1-6669-4CDD-B1B4-04FFE5C41ADE}" type="datetime1">
               <a:rPr lang="en-US" smtClean="0"/>
-              <a:t>12/2/2024</a:t>
+              <a:t>12/5/2024</a:t>
             </a:fld>
             <a:endParaRPr lang="en-US"/>
           </a:p>
@@ -6492,7 +6492,7 @@
           <a:p>
             <a:fld id="{63421662-C242-4258-8799-9F32C0D7CC75}" type="datetime1">
               <a:rPr lang="en-US" smtClean="0"/>
-              <a:t>12/2/2024</a:t>
+              <a:t>12/5/2024</a:t>
             </a:fld>
             <a:endParaRPr lang="en-US"/>
           </a:p>
@@ -7451,16 +7451,16 @@
               <a:defRPr/>
             </a:pPr>
             <a:r>
-              <a:rPr lang="en-US" dirty="0">
+              <a:rPr lang="en-US">
                 <a:solidFill>
                   <a:prstClr val="white"/>
                 </a:solidFill>
                 <a:latin typeface="Calibri" panose="020F0502020204030204"/>
               </a:rPr>
-              <a:t>October</a:t>
-            </a:r>
-            <a:r>
-              <a:rPr kumimoji="0" lang="en-US" sz="2800" b="0" i="0" u="none" strike="noStrike" kern="1200" cap="none" spc="0" normalizeH="0" baseline="0" noProof="0" dirty="0">
+              <a:t>November</a:t>
+            </a:r>
+            <a:r>
+              <a:rPr kumimoji="0" lang="en-US" sz="2800" b="0" i="0" u="none" strike="noStrike" kern="1200" cap="none" spc="0" normalizeH="0" baseline="0" noProof="0">
                 <a:ln>
                   <a:noFill/>
                 </a:ln>
@@ -7474,7 +7474,24 @@
                 <a:ea typeface="+mn-ea"/>
                 <a:cs typeface="+mn-cs"/>
               </a:rPr>
-              <a:t> 2024 </a:t>
+              <a:t> </a:t>
+            </a:r>
+            <a:r>
+              <a:rPr kumimoji="0" lang="en-US" sz="2800" b="0" i="0" u="none" strike="noStrike" kern="1200" cap="none" spc="0" normalizeH="0" baseline="0" noProof="0" dirty="0">
+                <a:ln>
+                  <a:noFill/>
+                </a:ln>
+                <a:solidFill>
+                  <a:prstClr val="white"/>
+                </a:solidFill>
+                <a:effectLst/>
+                <a:uLnTx/>
+                <a:uFillTx/>
+                <a:latin typeface="Calibri" panose="020F0502020204030204"/>
+                <a:ea typeface="+mn-ea"/>
+                <a:cs typeface="+mn-cs"/>
+              </a:rPr>
+              <a:t>2024 </a:t>
             </a:r>
           </a:p>
         </p:txBody>
@@ -10944,8 +10961,8 @@
           </a:p>
         </p:txBody>
       </p:sp>
-      <mc:AlternateContent xmlns:mc="http://schemas.openxmlformats.org/markup-compatibility/2006">
-        <mc:Choice xmlns:a14="http://schemas.microsoft.com/office/drawing/2010/main" Requires="a14">
+      <mc:AlternateContent xmlns:mc="http://schemas.openxmlformats.org/markup-compatibility/2006" xmlns:a14="http://schemas.microsoft.com/office/drawing/2010/main">
+        <mc:Choice Requires="a14">
           <p:sp>
             <p:nvSpPr>
               <p:cNvPr id="9" name="Segnaposto contenuto 2">
@@ -11677,7 +11694,7 @@
             </p:txBody>
           </p:sp>
         </mc:Choice>
-        <mc:Fallback>
+        <mc:Fallback xmlns="">
           <p:sp>
             <p:nvSpPr>
               <p:cNvPr id="9" name="Segnaposto contenuto 2">
@@ -11866,8 +11883,8 @@
             </a:p>
           </p:txBody>
         </p:sp>
-        <mc:AlternateContent xmlns:mc="http://schemas.openxmlformats.org/markup-compatibility/2006">
-          <mc:Choice xmlns:a14="http://schemas.microsoft.com/office/drawing/2010/main" Requires="a14">
+        <mc:AlternateContent xmlns:mc="http://schemas.openxmlformats.org/markup-compatibility/2006" xmlns:a14="http://schemas.microsoft.com/office/drawing/2010/main">
+          <mc:Choice Requires="a14">
             <p:sp>
               <p:nvSpPr>
                 <p:cNvPr id="13" name="CasellaDiTesto 12">
@@ -11896,6 +11913,7 @@
                 </a:bodyPr>
                 <a:lstStyle/>
                 <a:p>
+                  <a:pPr/>
                   <a14:m>
                     <m:oMathPara xmlns:m="http://schemas.openxmlformats.org/officeDocument/2006/math">
                       <m:oMathParaPr>
@@ -11984,7 +12002,7 @@
               </p:txBody>
             </p:sp>
           </mc:Choice>
-          <mc:Fallback>
+          <mc:Fallback xmlns="">
             <p:sp>
               <p:nvSpPr>
                 <p:cNvPr id="13" name="CasellaDiTesto 12">
@@ -16880,8 +16898,8 @@
           </a:p>
         </p:txBody>
       </p:sp>
-      <mc:AlternateContent xmlns:mc="http://schemas.openxmlformats.org/markup-compatibility/2006">
-        <mc:Choice xmlns:a14="http://schemas.microsoft.com/office/drawing/2010/main" Requires="a14">
+      <mc:AlternateContent xmlns:mc="http://schemas.openxmlformats.org/markup-compatibility/2006" xmlns:a14="http://schemas.microsoft.com/office/drawing/2010/main">
+        <mc:Choice Requires="a14">
           <p:sp>
             <p:nvSpPr>
               <p:cNvPr id="9" name="Segnaposto contenuto 2">
@@ -17455,7 +17473,7 @@
             </p:txBody>
           </p:sp>
         </mc:Choice>
-        <mc:Fallback>
+        <mc:Fallback xmlns="">
           <p:sp>
             <p:nvSpPr>
               <p:cNvPr id="9" name="Segnaposto contenuto 2">
@@ -20363,8 +20381,8 @@
           </a:p>
         </p:txBody>
       </p:sp>
-      <mc:AlternateContent xmlns:mc="http://schemas.openxmlformats.org/markup-compatibility/2006">
-        <mc:Choice xmlns:a14="http://schemas.microsoft.com/office/drawing/2010/main" Requires="a14">
+      <mc:AlternateContent xmlns:mc="http://schemas.openxmlformats.org/markup-compatibility/2006" xmlns:a14="http://schemas.microsoft.com/office/drawing/2010/main">
+        <mc:Choice Requires="a14">
           <p:sp>
             <p:nvSpPr>
               <p:cNvPr id="9" name="Segnaposto contenuto 2">
@@ -21709,7 +21727,7 @@
             </p:txBody>
           </p:sp>
         </mc:Choice>
-        <mc:Fallback>
+        <mc:Fallback xmlns="">
           <p:sp>
             <p:nvSpPr>
               <p:cNvPr id="9" name="Segnaposto contenuto 2">

--- a/Documentation/7. Envelope, TM and STFT features.pptx
+++ b/Documentation/7. Envelope, TM and STFT features.pptx
@@ -18000,15 +18000,16 @@
             </a:r>
           </a:p>
           <a:p>
-            <a:endParaRPr lang="en-US" sz="1600" dirty="0"/>
-          </a:p>
-          <a:p>
             <a:pPr marL="0" indent="0">
               <a:buNone/>
             </a:pPr>
             <a:r>
               <a:rPr lang="en-US" sz="1600" dirty="0"/>
-              <a:t>Moreover, STFT usage has been explored but features have not been evaluated for the time being as they would have to be meticulously defined from scratch. Otherwise, redundant information would be introduced.</a:t>
+              <a:t>Moreover, STFT usage has been explored but features have not been evaluated for the time being as they would have to be meticulously defined from scratch. Otherwise, redundant information would be </a:t>
+            </a:r>
+            <a:r>
+              <a:rPr lang="en-US" sz="1600"/>
+              <a:t>introduced.</a:t>
             </a:r>
           </a:p>
           <a:p>
@@ -18023,6 +18024,21 @@
             </a:pPr>
             <a:r>
               <a:rPr lang="en-US" sz="1600" dirty="0"/>
+              <a:t>Other similar studies used DWT based features (similar to the one introduced with TM), autocorrelation-based features, self-similarity features and complexity-analysis based features. </a:t>
+            </a:r>
+          </a:p>
+          <a:p>
+            <a:pPr marL="0" indent="0">
+              <a:buNone/>
+            </a:pPr>
+            <a:endParaRPr lang="en-US" sz="1600" dirty="0"/>
+          </a:p>
+          <a:p>
+            <a:pPr marL="0" indent="0">
+              <a:buNone/>
+            </a:pPr>
+            <a:r>
+              <a:rPr lang="en-US" sz="1600" dirty="0"/>
               <a:t>In the following will be defined and analyzed 3 models:</a:t>
             </a:r>
           </a:p>
@@ -18053,7 +18069,7 @@
             </a:pPr>
             <a:r>
               <a:rPr lang="en-US" sz="1600" dirty="0"/>
-              <a:t>A decision tree (LOPOCV) trained onto a optimized feature set</a:t>
+              <a:t>A decision tree (LOPOCV) trained onto an optimized feature set</a:t>
             </a:r>
           </a:p>
           <a:p>

--- a/Documentation/7. Envelope, TM and STFT features.pptx
+++ b/Documentation/7. Envelope, TM and STFT features.pptx
@@ -226,7 +226,7 @@
           <a:p>
             <a:fld id="{1A21894F-B278-4D96-9594-A030EA633187}" type="datetimeFigureOut">
               <a:rPr lang="it-IT" smtClean="0"/>
-              <a:t>05/12/2024</a:t>
+              <a:t>06/12/2024</a:t>
             </a:fld>
             <a:endParaRPr lang="it-IT"/>
           </a:p>
@@ -4062,7 +4062,7 @@
           <a:p>
             <a:fld id="{58E4D78B-0F35-4E3B-A0B9-554BA787D8A4}" type="datetime1">
               <a:rPr lang="en-US" smtClean="0"/>
-              <a:t>12/5/2024</a:t>
+              <a:t>12/6/2024</a:t>
             </a:fld>
             <a:endParaRPr lang="en-US"/>
           </a:p>
@@ -4272,7 +4272,7 @@
           <a:p>
             <a:fld id="{604487E5-BE79-4BAC-AEB7-0CE0533B5E5C}" type="datetime1">
               <a:rPr lang="en-US" smtClean="0"/>
-              <a:t>12/5/2024</a:t>
+              <a:t>12/6/2024</a:t>
             </a:fld>
             <a:endParaRPr lang="en-US"/>
           </a:p>
@@ -4472,7 +4472,7 @@
           <a:p>
             <a:fld id="{DDA7E0CB-9E21-49FD-99A0-0CD75BBC45F4}" type="datetime1">
               <a:rPr lang="en-US" smtClean="0"/>
-              <a:t>12/5/2024</a:t>
+              <a:t>12/6/2024</a:t>
             </a:fld>
             <a:endParaRPr lang="en-US"/>
           </a:p>
@@ -4748,7 +4748,7 @@
           <a:p>
             <a:fld id="{661D7149-FE96-419A-8F67-9BD351842985}" type="datetime1">
               <a:rPr lang="en-US" smtClean="0"/>
-              <a:t>12/5/2024</a:t>
+              <a:t>12/6/2024</a:t>
             </a:fld>
             <a:endParaRPr lang="en-US"/>
           </a:p>
@@ -5016,7 +5016,7 @@
           <a:p>
             <a:fld id="{6CA97CEF-DD94-4A20-85BC-5094F3EA8887}" type="datetime1">
               <a:rPr lang="en-US" smtClean="0"/>
-              <a:t>12/5/2024</a:t>
+              <a:t>12/6/2024</a:t>
             </a:fld>
             <a:endParaRPr lang="en-US"/>
           </a:p>
@@ -5431,7 +5431,7 @@
           <a:p>
             <a:fld id="{9862EB4C-45F8-47BA-B435-B6097D61B684}" type="datetime1">
               <a:rPr lang="en-US" smtClean="0"/>
-              <a:t>12/5/2024</a:t>
+              <a:t>12/6/2024</a:t>
             </a:fld>
             <a:endParaRPr lang="en-US"/>
           </a:p>
@@ -5573,7 +5573,7 @@
           <a:p>
             <a:fld id="{FA7CD0E2-B7EC-4D81-9389-8F889EE865AB}" type="datetime1">
               <a:rPr lang="en-US" smtClean="0"/>
-              <a:t>12/5/2024</a:t>
+              <a:t>12/6/2024</a:t>
             </a:fld>
             <a:endParaRPr lang="en-US"/>
           </a:p>
@@ -5686,7 +5686,7 @@
           <a:p>
             <a:fld id="{18B47F5C-7FA0-44DA-BF82-413AB90208B7}" type="datetime1">
               <a:rPr lang="en-US" smtClean="0"/>
-              <a:t>12/5/2024</a:t>
+              <a:t>12/6/2024</a:t>
             </a:fld>
             <a:endParaRPr lang="en-US"/>
           </a:p>
@@ -5999,7 +5999,7 @@
           <a:p>
             <a:fld id="{403415A8-F8BD-47CC-8D20-53798396961D}" type="datetime1">
               <a:rPr lang="en-US" smtClean="0"/>
-              <a:t>12/5/2024</a:t>
+              <a:t>12/6/2024</a:t>
             </a:fld>
             <a:endParaRPr lang="en-US"/>
           </a:p>
@@ -6288,7 +6288,7 @@
           <a:p>
             <a:fld id="{6A12F5A1-6669-4CDD-B1B4-04FFE5C41ADE}" type="datetime1">
               <a:rPr lang="en-US" smtClean="0"/>
-              <a:t>12/5/2024</a:t>
+              <a:t>12/6/2024</a:t>
             </a:fld>
             <a:endParaRPr lang="en-US"/>
           </a:p>
@@ -6492,7 +6492,7 @@
           <a:p>
             <a:fld id="{63421662-C242-4258-8799-9F32C0D7CC75}" type="datetime1">
               <a:rPr lang="en-US" smtClean="0"/>
-              <a:t>12/5/2024</a:t>
+              <a:t>12/6/2024</a:t>
             </a:fld>
             <a:endParaRPr lang="en-US"/>
           </a:p>
@@ -16898,8 +16898,8 @@
           </a:p>
         </p:txBody>
       </p:sp>
-      <mc:AlternateContent xmlns:mc="http://schemas.openxmlformats.org/markup-compatibility/2006" xmlns:a14="http://schemas.microsoft.com/office/drawing/2010/main">
-        <mc:Choice Requires="a14">
+      <mc:AlternateContent xmlns:mc="http://schemas.openxmlformats.org/markup-compatibility/2006">
+        <mc:Choice xmlns:a14="http://schemas.microsoft.com/office/drawing/2010/main" Requires="a14">
           <p:sp>
             <p:nvSpPr>
               <p:cNvPr id="9" name="Segnaposto contenuto 2">
@@ -17358,7 +17358,27 @@
                       <a:schemeClr val="tx1"/>
                     </a:solidFill>
                   </a:rPr>
-                  <a:t>M=64 </a:t>
+                  <a:t>M=64, </a:t>
+                </a:r>
+                <a:r>
+                  <a:rPr lang="en-GB" sz="1100" dirty="0" err="1">
+                    <a:solidFill>
+                      <a:schemeClr val="tx1"/>
+                    </a:solidFill>
+                  </a:rPr>
+                  <a:t>c</a:t>
+                </a:r>
+                <a:r>
+                  <a:rPr lang="en-GB" sz="1100" dirty="0" err="1"/>
+                  <a:t>e</a:t>
+                </a:r>
+                <a:r>
+                  <a:rPr lang="en-GB" sz="1100" dirty="0" err="1">
+                    <a:solidFill>
+                      <a:schemeClr val="tx1"/>
+                    </a:solidFill>
+                  </a:rPr>
+                  <a:t>ntered</a:t>
                 </a:r>
                 <a:r>
                   <a:rPr lang="en-GB" sz="1100" dirty="0">
@@ -17366,7 +17386,7 @@
                       <a:schemeClr val="tx1"/>
                     </a:solidFill>
                   </a:rPr>
-                  <a:t>and cantered into </a:t>
+                  <a:t> into </a:t>
                 </a:r>
                 <a:r>
                   <a:rPr lang="en-GB" sz="1100" i="1" dirty="0">
@@ -17473,7 +17493,7 @@
             </p:txBody>
           </p:sp>
         </mc:Choice>
-        <mc:Fallback xmlns="">
+        <mc:Fallback>
           <p:sp>
             <p:nvSpPr>
               <p:cNvPr id="9" name="Segnaposto contenuto 2">
